--- a/Lectures/15_paskaita (Informacijos traukimas iš interneto (WEB SCRAPING)).pptx
+++ b/Lectures/15_paskaita (Informacijos traukimas iš interneto (WEB SCRAPING)).pptx
@@ -617,15 +617,7 @@
             </a:r>
             <a:r>
               <a:rPr lang="en-LT" dirty="0"/>
-              <a:t>usipazinsime </a:t>
-            </a:r>
-            <a:r>
-              <a:rPr lang="en-LT"/>
-              <a:t>su situ duomenu istraukimu </a:t>
-            </a:r>
-            <a:r>
-              <a:rPr lang="en-LT" dirty="0"/>
-              <a:t>is interneto ir kaip istraukti ji is norimo internetinio puslapio</a:t>
+              <a:t>usipazinsime su situ duomenu istraukimu is interneto ir kaip istraukti ji is norimo internetinio puslapio</a:t>
             </a:r>
           </a:p>
         </p:txBody>
@@ -19435,7 +19427,15 @@
                 <a:cs typeface="+mn-lt"/>
                 <a:hlinkClick r:id="rId3"/>
               </a:rPr>
-              <a:t>https://shop.telia.lt/telefonai/?filter=brand:samsung'</a:t>
+              <a:t>https://www.telia.lt/prekes/mobilieji-telefonai/samsung</a:t>
+            </a:r>
+            <a:r>
+              <a:rPr lang="lt-LT" sz="1600" spc="-1">
+                <a:latin typeface="Arial"/>
+                <a:ea typeface="+mn-lt"/>
+                <a:cs typeface="+mn-lt"/>
+              </a:rPr>
+              <a:t> rastų </a:t>
             </a:r>
             <a:r>
               <a:rPr lang="lt-LT" sz="1600" spc="-1" dirty="0">
@@ -19443,7 +19443,7 @@
                 <a:ea typeface="+mn-lt"/>
                 <a:cs typeface="+mn-lt"/>
               </a:rPr>
-              <a:t> rastų pigiausią ir brangiausią telefono modelį</a:t>
+              <a:t>pigiausią ir brangiausią telefono modelį</a:t>
             </a:r>
             <a:endParaRPr lang="en-US" sz="1600" dirty="0">
               <a:latin typeface="Arial"/>
